--- a/Arquitetura.pptx
+++ b/Arquitetura.pptx
@@ -110,6 +110,35 @@
     </p:ext>
   </p:extLst>
 </p:presentation>
+</file>
+
+<file path=ppt/changesInfos/changesInfo1.xml><?xml version="1.0" encoding="utf-8"?>
+<pc:chgInfo xmlns:a="http://schemas.openxmlformats.org/drawingml/2006/main" xmlns:r="http://schemas.openxmlformats.org/officeDocument/2006/relationships" xmlns:ac="http://schemas.microsoft.com/office/drawing/2013/main/command" xmlns:pc="http://schemas.microsoft.com/office/powerpoint/2013/main/command">
+  <pc:docChgLst>
+    <pc:chgData name="Ruan Virginio" userId="bbbcd6cf5880efa7" providerId="LiveId" clId="{286C8854-5846-4E86-B40B-3922CD1C14C6}"/>
+    <pc:docChg chg="modSld">
+      <pc:chgData name="Ruan Virginio" userId="bbbcd6cf5880efa7" providerId="LiveId" clId="{286C8854-5846-4E86-B40B-3922CD1C14C6}" dt="2024-05-25T13:51:46.719" v="0" actId="1076"/>
+      <pc:docMkLst>
+        <pc:docMk/>
+      </pc:docMkLst>
+      <pc:sldChg chg="modSp mod">
+        <pc:chgData name="Ruan Virginio" userId="bbbcd6cf5880efa7" providerId="LiveId" clId="{286C8854-5846-4E86-B40B-3922CD1C14C6}" dt="2024-05-25T13:51:46.719" v="0" actId="1076"/>
+        <pc:sldMkLst>
+          <pc:docMk/>
+          <pc:sldMk cId="2383431779" sldId="257"/>
+        </pc:sldMkLst>
+        <pc:spChg chg="mod">
+          <ac:chgData name="Ruan Virginio" userId="bbbcd6cf5880efa7" providerId="LiveId" clId="{286C8854-5846-4E86-B40B-3922CD1C14C6}" dt="2024-05-25T13:51:46.719" v="0" actId="1076"/>
+          <ac:spMkLst>
+            <pc:docMk/>
+            <pc:sldMk cId="2383431779" sldId="257"/>
+            <ac:spMk id="183" creationId="{381C5144-BB43-4980-B30D-27B40330173F}"/>
+          </ac:spMkLst>
+        </pc:spChg>
+      </pc:sldChg>
+    </pc:docChg>
+  </pc:docChgLst>
+</pc:chgInfo>
 </file>
 
 <file path=ppt/slideLayouts/slideLayout1.xml><?xml version="1.0" encoding="utf-8"?>
@@ -6817,7 +6846,7 @@
         </p:nvSpPr>
         <p:spPr>
           <a:xfrm>
-            <a:off x="3229333" y="5679743"/>
+            <a:off x="3214795" y="5615853"/>
             <a:ext cx="1159176" cy="461665"/>
           </a:xfrm>
           <a:prstGeom prst="rect">

--- a/Arquitetura.pptx
+++ b/Arquitetura.pptx
@@ -117,16 +117,24 @@
   <pc:docChgLst>
     <pc:chgData name="Ruan Virginio" userId="bbbcd6cf5880efa7" providerId="LiveId" clId="{286C8854-5846-4E86-B40B-3922CD1C14C6}"/>
     <pc:docChg chg="modSld">
-      <pc:chgData name="Ruan Virginio" userId="bbbcd6cf5880efa7" providerId="LiveId" clId="{286C8854-5846-4E86-B40B-3922CD1C14C6}" dt="2024-05-25T13:51:46.719" v="0" actId="1076"/>
+      <pc:chgData name="Ruan Virginio" userId="bbbcd6cf5880efa7" providerId="LiveId" clId="{286C8854-5846-4E86-B40B-3922CD1C14C6}" dt="2024-05-27T22:07:26.205" v="1" actId="207"/>
       <pc:docMkLst>
         <pc:docMk/>
       </pc:docMkLst>
       <pc:sldChg chg="modSp mod">
-        <pc:chgData name="Ruan Virginio" userId="bbbcd6cf5880efa7" providerId="LiveId" clId="{286C8854-5846-4E86-B40B-3922CD1C14C6}" dt="2024-05-25T13:51:46.719" v="0" actId="1076"/>
+        <pc:chgData name="Ruan Virginio" userId="bbbcd6cf5880efa7" providerId="LiveId" clId="{286C8854-5846-4E86-B40B-3922CD1C14C6}" dt="2024-05-27T22:07:26.205" v="1" actId="207"/>
         <pc:sldMkLst>
           <pc:docMk/>
           <pc:sldMk cId="2383431779" sldId="257"/>
         </pc:sldMkLst>
+        <pc:spChg chg="mod">
+          <ac:chgData name="Ruan Virginio" userId="bbbcd6cf5880efa7" providerId="LiveId" clId="{286C8854-5846-4E86-B40B-3922CD1C14C6}" dt="2024-05-27T22:07:26.205" v="1" actId="207"/>
+          <ac:spMkLst>
+            <pc:docMk/>
+            <pc:sldMk cId="2383431779" sldId="257"/>
+            <ac:spMk id="152" creationId="{613321F9-3828-231C-71DE-DB2A28657900}"/>
+          </ac:spMkLst>
+        </pc:spChg>
         <pc:spChg chg="mod">
           <ac:chgData name="Ruan Virginio" userId="bbbcd6cf5880efa7" providerId="LiveId" clId="{286C8854-5846-4E86-B40B-3922CD1C14C6}" dt="2024-05-25T13:51:46.719" v="0" actId="1076"/>
           <ac:spMkLst>
@@ -288,7 +296,7 @@
           <a:p>
             <a:fld id="{E8320CE3-2267-45C8-8E19-C223B2863780}" type="datetimeFigureOut">
               <a:rPr lang="en-US" smtClean="0"/>
-              <a:t>5/25/2024</a:t>
+              <a:t>5/27/2024</a:t>
             </a:fld>
             <a:endParaRPr lang="en-US"/>
           </a:p>
@@ -486,7 +494,7 @@
           <a:p>
             <a:fld id="{E8320CE3-2267-45C8-8E19-C223B2863780}" type="datetimeFigureOut">
               <a:rPr lang="en-US" smtClean="0"/>
-              <a:t>5/25/2024</a:t>
+              <a:t>5/27/2024</a:t>
             </a:fld>
             <a:endParaRPr lang="en-US"/>
           </a:p>
@@ -694,7 +702,7 @@
           <a:p>
             <a:fld id="{E8320CE3-2267-45C8-8E19-C223B2863780}" type="datetimeFigureOut">
               <a:rPr lang="en-US" smtClean="0"/>
-              <a:t>5/25/2024</a:t>
+              <a:t>5/27/2024</a:t>
             </a:fld>
             <a:endParaRPr lang="en-US"/>
           </a:p>
@@ -892,7 +900,7 @@
           <a:p>
             <a:fld id="{E8320CE3-2267-45C8-8E19-C223B2863780}" type="datetimeFigureOut">
               <a:rPr lang="en-US" smtClean="0"/>
-              <a:t>5/25/2024</a:t>
+              <a:t>5/27/2024</a:t>
             </a:fld>
             <a:endParaRPr lang="en-US"/>
           </a:p>
@@ -1167,7 +1175,7 @@
           <a:p>
             <a:fld id="{E8320CE3-2267-45C8-8E19-C223B2863780}" type="datetimeFigureOut">
               <a:rPr lang="en-US" smtClean="0"/>
-              <a:t>5/25/2024</a:t>
+              <a:t>5/27/2024</a:t>
             </a:fld>
             <a:endParaRPr lang="en-US"/>
           </a:p>
@@ -1432,7 +1440,7 @@
           <a:p>
             <a:fld id="{E8320CE3-2267-45C8-8E19-C223B2863780}" type="datetimeFigureOut">
               <a:rPr lang="en-US" smtClean="0"/>
-              <a:t>5/25/2024</a:t>
+              <a:t>5/27/2024</a:t>
             </a:fld>
             <a:endParaRPr lang="en-US"/>
           </a:p>
@@ -1844,7 +1852,7 @@
           <a:p>
             <a:fld id="{E8320CE3-2267-45C8-8E19-C223B2863780}" type="datetimeFigureOut">
               <a:rPr lang="en-US" smtClean="0"/>
-              <a:t>5/25/2024</a:t>
+              <a:t>5/27/2024</a:t>
             </a:fld>
             <a:endParaRPr lang="en-US"/>
           </a:p>
@@ -1985,7 +1993,7 @@
           <a:p>
             <a:fld id="{E8320CE3-2267-45C8-8E19-C223B2863780}" type="datetimeFigureOut">
               <a:rPr lang="en-US" smtClean="0"/>
-              <a:t>5/25/2024</a:t>
+              <a:t>5/27/2024</a:t>
             </a:fld>
             <a:endParaRPr lang="en-US"/>
           </a:p>
@@ -2098,7 +2106,7 @@
           <a:p>
             <a:fld id="{E8320CE3-2267-45C8-8E19-C223B2863780}" type="datetimeFigureOut">
               <a:rPr lang="en-US" smtClean="0"/>
-              <a:t>5/25/2024</a:t>
+              <a:t>5/27/2024</a:t>
             </a:fld>
             <a:endParaRPr lang="en-US"/>
           </a:p>
@@ -2409,7 +2417,7 @@
           <a:p>
             <a:fld id="{E8320CE3-2267-45C8-8E19-C223B2863780}" type="datetimeFigureOut">
               <a:rPr lang="en-US" smtClean="0"/>
-              <a:t>5/25/2024</a:t>
+              <a:t>5/27/2024</a:t>
             </a:fld>
             <a:endParaRPr lang="en-US"/>
           </a:p>
@@ -2697,7 +2705,7 @@
           <a:p>
             <a:fld id="{E8320CE3-2267-45C8-8E19-C223B2863780}" type="datetimeFigureOut">
               <a:rPr lang="en-US" smtClean="0"/>
-              <a:t>5/25/2024</a:t>
+              <a:t>5/27/2024</a:t>
             </a:fld>
             <a:endParaRPr lang="en-US"/>
           </a:p>
@@ -2938,7 +2946,7 @@
           <a:p>
             <a:fld id="{E8320CE3-2267-45C8-8E19-C223B2863780}" type="datetimeFigureOut">
               <a:rPr lang="en-US" smtClean="0"/>
-              <a:t>5/25/2024</a:t>
+              <a:t>5/27/2024</a:t>
             </a:fld>
             <a:endParaRPr lang="en-US"/>
           </a:p>
@@ -8378,7 +8386,7 @@
             <a:avLst/>
           </a:prstGeom>
           <a:blipFill dpi="0" rotWithShape="1">
-            <a:blip r:embed="rId3">
+            <a:blip r:embed="rId4">
               <a:extLst>
                 <a:ext uri="{28A0092B-C50C-407E-A947-70E740481C1C}">
                   <a14:useLocalDpi xmlns:a14="http://schemas.microsoft.com/office/drawing/2010/main" val="0"/>
@@ -8442,13 +8450,13 @@
             <a:avLst/>
           </a:prstGeom>
           <a:blipFill dpi="0" rotWithShape="1">
-            <a:blip r:embed="rId4">
+            <a:blip r:embed="rId5">
               <a:extLst>
                 <a:ext uri="{28A0092B-C50C-407E-A947-70E740481C1C}">
                   <a14:useLocalDpi xmlns:a14="http://schemas.microsoft.com/office/drawing/2010/main" val="0"/>
                 </a:ext>
                 <a:ext uri="{96DAC541-7B7A-43D3-8B79-37D633B846F1}">
-                  <asvg:svgBlip xmlns:asvg="http://schemas.microsoft.com/office/drawing/2016/SVG/main" r:embed="rId5"/>
+                  <asvg:svgBlip xmlns:asvg="http://schemas.microsoft.com/office/drawing/2016/SVG/main" r:embed="rId6"/>
                 </a:ext>
               </a:extLst>
             </a:blip>

--- a/Arquitetura.pptx
+++ b/Arquitetura.pptx
@@ -112,21 +112,45 @@
 </p:presentation>
 </file>
 
+<file path=ppt/revisionInfo.xml><?xml version="1.0" encoding="utf-8"?>
+<p1510:revInfo xmlns:a="http://schemas.openxmlformats.org/drawingml/2006/main" xmlns:r="http://schemas.openxmlformats.org/officeDocument/2006/relationships" xmlns:p1510="http://schemas.microsoft.com/office/powerpoint/2015/10/main">
+  <p1510:revLst>
+    <p1510:client id="{286C8854-5846-4E86-B40B-3922CD1C14C6}" v="2" dt="2024-05-27T22:34:40.930"/>
+  </p1510:revLst>
+</p1510:revInfo>
+</file>
+
 <file path=ppt/changesInfos/changesInfo1.xml><?xml version="1.0" encoding="utf-8"?>
 <pc:chgInfo xmlns:a="http://schemas.openxmlformats.org/drawingml/2006/main" xmlns:r="http://schemas.openxmlformats.org/officeDocument/2006/relationships" xmlns:ac="http://schemas.microsoft.com/office/drawing/2013/main/command" xmlns:pc="http://schemas.microsoft.com/office/powerpoint/2013/main/command">
   <pc:docChgLst>
     <pc:chgData name="Ruan Virginio" userId="bbbcd6cf5880efa7" providerId="LiveId" clId="{286C8854-5846-4E86-B40B-3922CD1C14C6}"/>
-    <pc:docChg chg="modSld">
-      <pc:chgData name="Ruan Virginio" userId="bbbcd6cf5880efa7" providerId="LiveId" clId="{286C8854-5846-4E86-B40B-3922CD1C14C6}" dt="2024-05-27T22:07:26.205" v="1" actId="207"/>
+    <pc:docChg chg="undo custSel modSld">
+      <pc:chgData name="Ruan Virginio" userId="bbbcd6cf5880efa7" providerId="LiveId" clId="{286C8854-5846-4E86-B40B-3922CD1C14C6}" dt="2024-05-27T22:36:00.626" v="69" actId="1038"/>
       <pc:docMkLst>
         <pc:docMk/>
       </pc:docMkLst>
-      <pc:sldChg chg="modSp mod">
-        <pc:chgData name="Ruan Virginio" userId="bbbcd6cf5880efa7" providerId="LiveId" clId="{286C8854-5846-4E86-B40B-3922CD1C14C6}" dt="2024-05-27T22:07:26.205" v="1" actId="207"/>
+      <pc:sldChg chg="addSp modSp mod">
+        <pc:chgData name="Ruan Virginio" userId="bbbcd6cf5880efa7" providerId="LiveId" clId="{286C8854-5846-4E86-B40B-3922CD1C14C6}" dt="2024-05-27T22:36:00.626" v="69" actId="1038"/>
         <pc:sldMkLst>
           <pc:docMk/>
           <pc:sldMk cId="2383431779" sldId="257"/>
         </pc:sldMkLst>
+        <pc:spChg chg="mod">
+          <ac:chgData name="Ruan Virginio" userId="bbbcd6cf5880efa7" providerId="LiveId" clId="{286C8854-5846-4E86-B40B-3922CD1C14C6}" dt="2024-05-27T22:33:15.391" v="5"/>
+          <ac:spMkLst>
+            <pc:docMk/>
+            <pc:sldMk cId="2383431779" sldId="257"/>
+            <ac:spMk id="7" creationId="{F9AA78E2-C643-41D9-1464-1407A5E3945C}"/>
+          </ac:spMkLst>
+        </pc:spChg>
+        <pc:spChg chg="add mod">
+          <ac:chgData name="Ruan Virginio" userId="bbbcd6cf5880efa7" providerId="LiveId" clId="{286C8854-5846-4E86-B40B-3922CD1C14C6}" dt="2024-05-27T22:34:58.038" v="29" actId="20577"/>
+          <ac:spMkLst>
+            <pc:docMk/>
+            <pc:sldMk cId="2383431779" sldId="257"/>
+            <ac:spMk id="37" creationId="{6FC19CAC-4EA0-AE3D-8F14-81FA4C3CC682}"/>
+          </ac:spMkLst>
+        </pc:spChg>
         <pc:spChg chg="mod">
           <ac:chgData name="Ruan Virginio" userId="bbbcd6cf5880efa7" providerId="LiveId" clId="{286C8854-5846-4E86-B40B-3922CD1C14C6}" dt="2024-05-27T22:07:26.205" v="1" actId="207"/>
           <ac:spMkLst>
@@ -136,13 +160,141 @@
           </ac:spMkLst>
         </pc:spChg>
         <pc:spChg chg="mod">
-          <ac:chgData name="Ruan Virginio" userId="bbbcd6cf5880efa7" providerId="LiveId" clId="{286C8854-5846-4E86-B40B-3922CD1C14C6}" dt="2024-05-25T13:51:46.719" v="0" actId="1076"/>
+          <ac:chgData name="Ruan Virginio" userId="bbbcd6cf5880efa7" providerId="LiveId" clId="{286C8854-5846-4E86-B40B-3922CD1C14C6}" dt="2024-05-27T22:36:00.626" v="69" actId="1038"/>
           <ac:spMkLst>
             <pc:docMk/>
             <pc:sldMk cId="2383431779" sldId="257"/>
             <ac:spMk id="183" creationId="{381C5144-BB43-4980-B30D-27B40330173F}"/>
           </ac:spMkLst>
         </pc:spChg>
+        <pc:grpChg chg="add mod">
+          <ac:chgData name="Ruan Virginio" userId="bbbcd6cf5880efa7" providerId="LiveId" clId="{286C8854-5846-4E86-B40B-3922CD1C14C6}" dt="2024-05-27T22:33:19.560" v="6" actId="1076"/>
+          <ac:grpSpMkLst>
+            <pc:docMk/>
+            <pc:sldMk cId="2383431779" sldId="257"/>
+            <ac:grpSpMk id="6" creationId="{FE74F942-7A83-2565-FB04-9BC9A4B31E20}"/>
+          </ac:grpSpMkLst>
+        </pc:grpChg>
+        <pc:grpChg chg="mod">
+          <ac:chgData name="Ruan Virginio" userId="bbbcd6cf5880efa7" providerId="LiveId" clId="{286C8854-5846-4E86-B40B-3922CD1C14C6}" dt="2024-05-27T22:36:00.626" v="69" actId="1038"/>
+          <ac:grpSpMkLst>
+            <pc:docMk/>
+            <pc:sldMk cId="2383431779" sldId="257"/>
+            <ac:grpSpMk id="17" creationId="{592AD8D1-04AA-4124-B5C2-3D5970881BE5}"/>
+          </ac:grpSpMkLst>
+        </pc:grpChg>
+        <pc:cxnChg chg="add mod">
+          <ac:chgData name="Ruan Virginio" userId="bbbcd6cf5880efa7" providerId="LiveId" clId="{286C8854-5846-4E86-B40B-3922CD1C14C6}" dt="2024-05-27T22:33:01.412" v="4" actId="14100"/>
+          <ac:cxnSpMkLst>
+            <pc:docMk/>
+            <pc:sldMk cId="2383431779" sldId="257"/>
+            <ac:cxnSpMk id="4" creationId="{179D8C50-8CA5-771B-BF94-1AD9E71F79E7}"/>
+          </ac:cxnSpMkLst>
+        </pc:cxnChg>
+        <pc:cxnChg chg="mod">
+          <ac:chgData name="Ruan Virginio" userId="bbbcd6cf5880efa7" providerId="LiveId" clId="{286C8854-5846-4E86-B40B-3922CD1C14C6}" dt="2024-05-27T22:33:15.391" v="5"/>
+          <ac:cxnSpMkLst>
+            <pc:docMk/>
+            <pc:sldMk cId="2383431779" sldId="257"/>
+            <ac:cxnSpMk id="8" creationId="{713801FB-C83B-2E9F-883E-B5D04656F27A}"/>
+          </ac:cxnSpMkLst>
+        </pc:cxnChg>
+        <pc:cxnChg chg="mod">
+          <ac:chgData name="Ruan Virginio" userId="bbbcd6cf5880efa7" providerId="LiveId" clId="{286C8854-5846-4E86-B40B-3922CD1C14C6}" dt="2024-05-27T22:33:15.391" v="5"/>
+          <ac:cxnSpMkLst>
+            <pc:docMk/>
+            <pc:sldMk cId="2383431779" sldId="257"/>
+            <ac:cxnSpMk id="9" creationId="{05FEFDE0-2329-8805-1BC1-6C847DE0A9BF}"/>
+          </ac:cxnSpMkLst>
+        </pc:cxnChg>
+        <pc:cxnChg chg="mod">
+          <ac:chgData name="Ruan Virginio" userId="bbbcd6cf5880efa7" providerId="LiveId" clId="{286C8854-5846-4E86-B40B-3922CD1C14C6}" dt="2024-05-27T22:33:15.391" v="5"/>
+          <ac:cxnSpMkLst>
+            <pc:docMk/>
+            <pc:sldMk cId="2383431779" sldId="257"/>
+            <ac:cxnSpMk id="10" creationId="{93ACE67D-E63E-0121-B8FF-8FFC2C6F1AE2}"/>
+          </ac:cxnSpMkLst>
+        </pc:cxnChg>
+        <pc:cxnChg chg="mod">
+          <ac:chgData name="Ruan Virginio" userId="bbbcd6cf5880efa7" providerId="LiveId" clId="{286C8854-5846-4E86-B40B-3922CD1C14C6}" dt="2024-05-27T22:33:15.391" v="5"/>
+          <ac:cxnSpMkLst>
+            <pc:docMk/>
+            <pc:sldMk cId="2383431779" sldId="257"/>
+            <ac:cxnSpMk id="11" creationId="{A2D115DA-5089-E6B3-DC97-E36AB9436D71}"/>
+          </ac:cxnSpMkLst>
+        </pc:cxnChg>
+        <pc:cxnChg chg="mod">
+          <ac:chgData name="Ruan Virginio" userId="bbbcd6cf5880efa7" providerId="LiveId" clId="{286C8854-5846-4E86-B40B-3922CD1C14C6}" dt="2024-05-27T22:33:15.391" v="5"/>
+          <ac:cxnSpMkLst>
+            <pc:docMk/>
+            <pc:sldMk cId="2383431779" sldId="257"/>
+            <ac:cxnSpMk id="22" creationId="{43581C41-A04E-ECAC-71C3-E9287113429C}"/>
+          </ac:cxnSpMkLst>
+        </pc:cxnChg>
+        <pc:cxnChg chg="mod">
+          <ac:chgData name="Ruan Virginio" userId="bbbcd6cf5880efa7" providerId="LiveId" clId="{286C8854-5846-4E86-B40B-3922CD1C14C6}" dt="2024-05-27T22:33:15.391" v="5"/>
+          <ac:cxnSpMkLst>
+            <pc:docMk/>
+            <pc:sldMk cId="2383431779" sldId="257"/>
+            <ac:cxnSpMk id="23" creationId="{115D467E-C071-303C-FBDC-773AF6866188}"/>
+          </ac:cxnSpMkLst>
+        </pc:cxnChg>
+        <pc:cxnChg chg="mod">
+          <ac:chgData name="Ruan Virginio" userId="bbbcd6cf5880efa7" providerId="LiveId" clId="{286C8854-5846-4E86-B40B-3922CD1C14C6}" dt="2024-05-27T22:33:15.391" v="5"/>
+          <ac:cxnSpMkLst>
+            <pc:docMk/>
+            <pc:sldMk cId="2383431779" sldId="257"/>
+            <ac:cxnSpMk id="24" creationId="{03CA9A46-C023-EF76-EEA2-B41C7E8DCA5B}"/>
+          </ac:cxnSpMkLst>
+        </pc:cxnChg>
+        <pc:cxnChg chg="mod">
+          <ac:chgData name="Ruan Virginio" userId="bbbcd6cf5880efa7" providerId="LiveId" clId="{286C8854-5846-4E86-B40B-3922CD1C14C6}" dt="2024-05-27T22:33:15.391" v="5"/>
+          <ac:cxnSpMkLst>
+            <pc:docMk/>
+            <pc:sldMk cId="2383431779" sldId="257"/>
+            <ac:cxnSpMk id="25" creationId="{0588552C-9528-6CDC-D003-5CD4C0650EBC}"/>
+          </ac:cxnSpMkLst>
+        </pc:cxnChg>
+        <pc:cxnChg chg="mod">
+          <ac:chgData name="Ruan Virginio" userId="bbbcd6cf5880efa7" providerId="LiveId" clId="{286C8854-5846-4E86-B40B-3922CD1C14C6}" dt="2024-05-27T22:33:15.391" v="5"/>
+          <ac:cxnSpMkLst>
+            <pc:docMk/>
+            <pc:sldMk cId="2383431779" sldId="257"/>
+            <ac:cxnSpMk id="26" creationId="{E5C39083-087A-9548-C4D1-69FF07BD1011}"/>
+          </ac:cxnSpMkLst>
+        </pc:cxnChg>
+        <pc:cxnChg chg="mod">
+          <ac:chgData name="Ruan Virginio" userId="bbbcd6cf5880efa7" providerId="LiveId" clId="{286C8854-5846-4E86-B40B-3922CD1C14C6}" dt="2024-05-27T22:33:15.391" v="5"/>
+          <ac:cxnSpMkLst>
+            <pc:docMk/>
+            <pc:sldMk cId="2383431779" sldId="257"/>
+            <ac:cxnSpMk id="33" creationId="{F9210589-349D-11CE-B22C-8A9D6BE46AE1}"/>
+          </ac:cxnSpMkLst>
+        </pc:cxnChg>
+        <pc:cxnChg chg="mod">
+          <ac:chgData name="Ruan Virginio" userId="bbbcd6cf5880efa7" providerId="LiveId" clId="{286C8854-5846-4E86-B40B-3922CD1C14C6}" dt="2024-05-27T22:35:45.129" v="67" actId="14100"/>
+          <ac:cxnSpMkLst>
+            <pc:docMk/>
+            <pc:sldMk cId="2383431779" sldId="257"/>
+            <ac:cxnSpMk id="35" creationId="{3E961854-E63E-0F02-DF1A-9434C43C0EAE}"/>
+          </ac:cxnSpMkLst>
+        </pc:cxnChg>
+        <pc:cxnChg chg="add mod">
+          <ac:chgData name="Ruan Virginio" userId="bbbcd6cf5880efa7" providerId="LiveId" clId="{286C8854-5846-4E86-B40B-3922CD1C14C6}" dt="2024-05-27T22:35:06.021" v="30" actId="14100"/>
+          <ac:cxnSpMkLst>
+            <pc:docMk/>
+            <pc:sldMk cId="2383431779" sldId="257"/>
+            <ac:cxnSpMk id="39" creationId="{CF2FF24D-9C63-6FF6-058E-58D43601C0C8}"/>
+          </ac:cxnSpMkLst>
+        </pc:cxnChg>
+        <pc:cxnChg chg="mod">
+          <ac:chgData name="Ruan Virginio" userId="bbbcd6cf5880efa7" providerId="LiveId" clId="{286C8854-5846-4E86-B40B-3922CD1C14C6}" dt="2024-05-27T22:36:00.626" v="69" actId="1038"/>
+          <ac:cxnSpMkLst>
+            <pc:docMk/>
+            <pc:sldMk cId="2383431779" sldId="257"/>
+            <ac:cxnSpMk id="175" creationId="{BCF834B4-8DD9-1B9B-BEE9-CE0F65F9F15E}"/>
+          </ac:cxnSpMkLst>
+        </pc:cxnChg>
       </pc:sldChg>
     </pc:docChg>
   </pc:docChgLst>
@@ -4839,7 +4991,7 @@
         </p:nvGrpSpPr>
         <p:grpSpPr>
           <a:xfrm>
-            <a:off x="3417131" y="4982851"/>
+            <a:off x="4839531" y="4982851"/>
             <a:ext cx="699515" cy="593895"/>
             <a:chOff x="3886200" y="4981573"/>
             <a:chExt cx="1924050" cy="1633539"/>
@@ -6854,7 +7006,7 @@
         </p:nvSpPr>
         <p:spPr>
           <a:xfrm>
-            <a:off x="3214795" y="5615853"/>
+            <a:off x="4637195" y="5615853"/>
             <a:ext cx="1159176" cy="461665"/>
           </a:xfrm>
           <a:prstGeom prst="rect">
@@ -8192,8 +8344,8 @@
         </p:nvCxnSpPr>
         <p:spPr>
           <a:xfrm rot="5400000">
-            <a:off x="7102619" y="831293"/>
-            <a:ext cx="1649935" cy="7380402"/>
+            <a:off x="7868094" y="1545396"/>
+            <a:ext cx="1598563" cy="5900825"/>
           </a:xfrm>
           <a:prstGeom prst="bentConnector2">
             <a:avLst/>
@@ -8687,8 +8839,675 @@
         </p:nvCxnSpPr>
         <p:spPr>
           <a:xfrm flipV="1">
-            <a:off x="3754160" y="4413159"/>
+            <a:off x="5176560" y="4413159"/>
             <a:ext cx="0" cy="430365"/>
+          </a:xfrm>
+          <a:prstGeom prst="straightConnector1">
+            <a:avLst/>
+          </a:prstGeom>
+          <a:ln>
+            <a:solidFill>
+              <a:schemeClr val="tx1"/>
+            </a:solidFill>
+            <a:prstDash val="sysDash"/>
+            <a:tailEnd type="triangle"/>
+          </a:ln>
+        </p:spPr>
+        <p:style>
+          <a:lnRef idx="1">
+            <a:schemeClr val="accent1"/>
+          </a:lnRef>
+          <a:fillRef idx="0">
+            <a:schemeClr val="accent1"/>
+          </a:fillRef>
+          <a:effectRef idx="0">
+            <a:schemeClr val="accent1"/>
+          </a:effectRef>
+          <a:fontRef idx="minor">
+            <a:schemeClr val="tx1"/>
+          </a:fontRef>
+        </p:style>
+      </p:cxnSp>
+      <p:cxnSp>
+        <p:nvCxnSpPr>
+          <p:cNvPr id="4" name="Conector: Curvo 3">
+            <a:extLst>
+              <a:ext uri="{FF2B5EF4-FFF2-40B4-BE49-F238E27FC236}">
+                <a16:creationId xmlns:a16="http://schemas.microsoft.com/office/drawing/2014/main" id="{179D8C50-8CA5-771B-BF94-1AD9E71F79E7}"/>
+              </a:ext>
+            </a:extLst>
+          </p:cNvPr>
+          <p:cNvCxnSpPr>
+            <a:stCxn id="92" idx="0"/>
+            <a:endCxn id="1026" idx="0"/>
+          </p:cNvCxnSpPr>
+          <p:nvPr/>
+        </p:nvCxnSpPr>
+        <p:spPr>
+          <a:xfrm rot="16200000" flipV="1">
+            <a:off x="4429376" y="2334934"/>
+            <a:ext cx="70471" cy="1409754"/>
+          </a:xfrm>
+          <a:prstGeom prst="curvedConnector3">
+            <a:avLst>
+              <a:gd name="adj1" fmla="val 1014186"/>
+            </a:avLst>
+          </a:prstGeom>
+          <a:ln>
+            <a:solidFill>
+              <a:schemeClr val="tx1"/>
+            </a:solidFill>
+            <a:prstDash val="sysDash"/>
+            <a:tailEnd type="triangle"/>
+          </a:ln>
+        </p:spPr>
+        <p:style>
+          <a:lnRef idx="1">
+            <a:schemeClr val="accent1"/>
+          </a:lnRef>
+          <a:fillRef idx="0">
+            <a:schemeClr val="accent1"/>
+          </a:fillRef>
+          <a:effectRef idx="0">
+            <a:schemeClr val="accent1"/>
+          </a:effectRef>
+          <a:fontRef idx="minor">
+            <a:schemeClr val="tx1"/>
+          </a:fontRef>
+        </p:style>
+      </p:cxnSp>
+      <p:grpSp>
+        <p:nvGrpSpPr>
+          <p:cNvPr id="6" name="Group 47">
+            <a:extLst>
+              <a:ext uri="{FF2B5EF4-FFF2-40B4-BE49-F238E27FC236}">
+                <a16:creationId xmlns:a16="http://schemas.microsoft.com/office/drawing/2014/main" id="{FE74F942-7A83-2565-FB04-9BC9A4B31E20}"/>
+              </a:ext>
+            </a:extLst>
+          </p:cNvPr>
+          <p:cNvGrpSpPr/>
+          <p:nvPr/>
+        </p:nvGrpSpPr>
+        <p:grpSpPr>
+          <a:xfrm>
+            <a:off x="1422521" y="5186268"/>
+            <a:ext cx="426055" cy="514309"/>
+            <a:chOff x="1258862" y="2333539"/>
+            <a:chExt cx="2002055" cy="2002055"/>
+          </a:xfrm>
+        </p:grpSpPr>
+        <p:sp>
+          <p:nvSpPr>
+            <p:cNvPr id="7" name="Rectangle: Folded Corner 26">
+              <a:extLst>
+                <a:ext uri="{FF2B5EF4-FFF2-40B4-BE49-F238E27FC236}">
+                  <a16:creationId xmlns:a16="http://schemas.microsoft.com/office/drawing/2014/main" id="{F9AA78E2-C643-41D9-1464-1407A5E3945C}"/>
+                </a:ext>
+              </a:extLst>
+            </p:cNvPr>
+            <p:cNvSpPr/>
+            <p:nvPr/>
+          </p:nvSpPr>
+          <p:spPr>
+            <a:xfrm flipV="1">
+              <a:off x="1258862" y="2333539"/>
+              <a:ext cx="2002055" cy="2002055"/>
+            </a:xfrm>
+            <a:prstGeom prst="foldedCorner">
+              <a:avLst>
+                <a:gd name="adj" fmla="val 34682"/>
+              </a:avLst>
+            </a:prstGeom>
+            <a:solidFill>
+              <a:schemeClr val="accent1">
+                <a:lumMod val="75000"/>
+              </a:schemeClr>
+            </a:solidFill>
+            <a:ln>
+              <a:solidFill>
+                <a:schemeClr val="accent5">
+                  <a:lumMod val="50000"/>
+                </a:schemeClr>
+              </a:solidFill>
+            </a:ln>
+          </p:spPr>
+          <p:style>
+            <a:lnRef idx="2">
+              <a:schemeClr val="accent1">
+                <a:shade val="50000"/>
+              </a:schemeClr>
+            </a:lnRef>
+            <a:fillRef idx="1">
+              <a:schemeClr val="accent1"/>
+            </a:fillRef>
+            <a:effectRef idx="0">
+              <a:schemeClr val="accent1"/>
+            </a:effectRef>
+            <a:fontRef idx="minor">
+              <a:schemeClr val="lt1"/>
+            </a:fontRef>
+          </p:style>
+          <p:txBody>
+            <a:bodyPr rtlCol="0" anchor="ctr"/>
+            <a:lstStyle/>
+            <a:p>
+              <a:pPr algn="ctr"/>
+              <a:endParaRPr lang="en-US"/>
+            </a:p>
+          </p:txBody>
+        </p:sp>
+        <p:cxnSp>
+          <p:nvCxnSpPr>
+            <p:cNvPr id="8" name="Straight Connector 28">
+              <a:extLst>
+                <a:ext uri="{FF2B5EF4-FFF2-40B4-BE49-F238E27FC236}">
+                  <a16:creationId xmlns:a16="http://schemas.microsoft.com/office/drawing/2014/main" id="{713801FB-C83B-2E9F-883E-B5D04656F27A}"/>
+                </a:ext>
+              </a:extLst>
+            </p:cNvPr>
+            <p:cNvCxnSpPr/>
+            <p:nvPr/>
+          </p:nvCxnSpPr>
+          <p:spPr>
+            <a:xfrm>
+              <a:off x="1415415" y="2757145"/>
+              <a:ext cx="662940" cy="0"/>
+            </a:xfrm>
+            <a:prstGeom prst="line">
+              <a:avLst/>
+            </a:prstGeom>
+            <a:ln w="6350" cap="rnd">
+              <a:solidFill>
+                <a:schemeClr val="bg1"/>
+              </a:solidFill>
+              <a:round/>
+            </a:ln>
+          </p:spPr>
+          <p:style>
+            <a:lnRef idx="1">
+              <a:schemeClr val="accent1"/>
+            </a:lnRef>
+            <a:fillRef idx="0">
+              <a:schemeClr val="accent1"/>
+            </a:fillRef>
+            <a:effectRef idx="0">
+              <a:schemeClr val="accent1"/>
+            </a:effectRef>
+            <a:fontRef idx="minor">
+              <a:schemeClr val="tx1"/>
+            </a:fontRef>
+          </p:style>
+        </p:cxnSp>
+        <p:cxnSp>
+          <p:nvCxnSpPr>
+            <p:cNvPr id="9" name="Straight Connector 29">
+              <a:extLst>
+                <a:ext uri="{FF2B5EF4-FFF2-40B4-BE49-F238E27FC236}">
+                  <a16:creationId xmlns:a16="http://schemas.microsoft.com/office/drawing/2014/main" id="{05FEFDE0-2329-8805-1BC1-6C847DE0A9BF}"/>
+                </a:ext>
+              </a:extLst>
+            </p:cNvPr>
+            <p:cNvCxnSpPr>
+              <a:cxnSpLocks/>
+            </p:cNvCxnSpPr>
+            <p:nvPr/>
+          </p:nvCxnSpPr>
+          <p:spPr>
+            <a:xfrm>
+              <a:off x="1415415" y="2857158"/>
+              <a:ext cx="789229" cy="0"/>
+            </a:xfrm>
+            <a:prstGeom prst="line">
+              <a:avLst/>
+            </a:prstGeom>
+            <a:ln w="6350" cap="rnd">
+              <a:solidFill>
+                <a:schemeClr val="bg1"/>
+              </a:solidFill>
+              <a:round/>
+            </a:ln>
+          </p:spPr>
+          <p:style>
+            <a:lnRef idx="1">
+              <a:schemeClr val="accent1"/>
+            </a:lnRef>
+            <a:fillRef idx="0">
+              <a:schemeClr val="accent1"/>
+            </a:fillRef>
+            <a:effectRef idx="0">
+              <a:schemeClr val="accent1"/>
+            </a:effectRef>
+            <a:fontRef idx="minor">
+              <a:schemeClr val="tx1"/>
+            </a:fontRef>
+          </p:style>
+        </p:cxnSp>
+        <p:cxnSp>
+          <p:nvCxnSpPr>
+            <p:cNvPr id="10" name="Straight Connector 31">
+              <a:extLst>
+                <a:ext uri="{FF2B5EF4-FFF2-40B4-BE49-F238E27FC236}">
+                  <a16:creationId xmlns:a16="http://schemas.microsoft.com/office/drawing/2014/main" id="{93ACE67D-E63E-0121-B8FF-8FFC2C6F1AE2}"/>
+                </a:ext>
+              </a:extLst>
+            </p:cNvPr>
+            <p:cNvCxnSpPr>
+              <a:cxnSpLocks/>
+            </p:cNvCxnSpPr>
+            <p:nvPr/>
+          </p:nvCxnSpPr>
+          <p:spPr>
+            <a:xfrm>
+              <a:off x="1415415" y="2949450"/>
+              <a:ext cx="591503" cy="0"/>
+            </a:xfrm>
+            <a:prstGeom prst="line">
+              <a:avLst/>
+            </a:prstGeom>
+            <a:ln w="6350" cap="rnd">
+              <a:solidFill>
+                <a:schemeClr val="bg1"/>
+              </a:solidFill>
+              <a:round/>
+            </a:ln>
+          </p:spPr>
+          <p:style>
+            <a:lnRef idx="1">
+              <a:schemeClr val="accent1"/>
+            </a:lnRef>
+            <a:fillRef idx="0">
+              <a:schemeClr val="accent1"/>
+            </a:fillRef>
+            <a:effectRef idx="0">
+              <a:schemeClr val="accent1"/>
+            </a:effectRef>
+            <a:fontRef idx="minor">
+              <a:schemeClr val="tx1"/>
+            </a:fontRef>
+          </p:style>
+        </p:cxnSp>
+        <p:cxnSp>
+          <p:nvCxnSpPr>
+            <p:cNvPr id="11" name="Straight Connector 33">
+              <a:extLst>
+                <a:ext uri="{FF2B5EF4-FFF2-40B4-BE49-F238E27FC236}">
+                  <a16:creationId xmlns:a16="http://schemas.microsoft.com/office/drawing/2014/main" id="{A2D115DA-5089-E6B3-DC97-E36AB9436D71}"/>
+                </a:ext>
+              </a:extLst>
+            </p:cNvPr>
+            <p:cNvCxnSpPr>
+              <a:cxnSpLocks/>
+            </p:cNvCxnSpPr>
+            <p:nvPr/>
+          </p:nvCxnSpPr>
+          <p:spPr>
+            <a:xfrm>
+              <a:off x="1415415" y="3307453"/>
+              <a:ext cx="1027748" cy="0"/>
+            </a:xfrm>
+            <a:prstGeom prst="line">
+              <a:avLst/>
+            </a:prstGeom>
+            <a:ln w="6350" cap="rnd">
+              <a:solidFill>
+                <a:schemeClr val="bg1"/>
+              </a:solidFill>
+              <a:round/>
+            </a:ln>
+          </p:spPr>
+          <p:style>
+            <a:lnRef idx="1">
+              <a:schemeClr val="accent1"/>
+            </a:lnRef>
+            <a:fillRef idx="0">
+              <a:schemeClr val="accent1"/>
+            </a:fillRef>
+            <a:effectRef idx="0">
+              <a:schemeClr val="accent1"/>
+            </a:effectRef>
+            <a:fontRef idx="minor">
+              <a:schemeClr val="tx1"/>
+            </a:fontRef>
+          </p:style>
+        </p:cxnSp>
+        <p:cxnSp>
+          <p:nvCxnSpPr>
+            <p:cNvPr id="22" name="Straight Connector 35">
+              <a:extLst>
+                <a:ext uri="{FF2B5EF4-FFF2-40B4-BE49-F238E27FC236}">
+                  <a16:creationId xmlns:a16="http://schemas.microsoft.com/office/drawing/2014/main" id="{43581C41-A04E-ECAC-71C3-E9287113429C}"/>
+                </a:ext>
+              </a:extLst>
+            </p:cNvPr>
+            <p:cNvCxnSpPr>
+              <a:cxnSpLocks/>
+            </p:cNvCxnSpPr>
+            <p:nvPr/>
+          </p:nvCxnSpPr>
+          <p:spPr>
+            <a:xfrm>
+              <a:off x="1415415" y="3426515"/>
+              <a:ext cx="1489710" cy="0"/>
+            </a:xfrm>
+            <a:prstGeom prst="line">
+              <a:avLst/>
+            </a:prstGeom>
+            <a:ln w="6350" cap="rnd">
+              <a:solidFill>
+                <a:schemeClr val="bg1"/>
+              </a:solidFill>
+              <a:round/>
+            </a:ln>
+          </p:spPr>
+          <p:style>
+            <a:lnRef idx="1">
+              <a:schemeClr val="accent1"/>
+            </a:lnRef>
+            <a:fillRef idx="0">
+              <a:schemeClr val="accent1"/>
+            </a:fillRef>
+            <a:effectRef idx="0">
+              <a:schemeClr val="accent1"/>
+            </a:effectRef>
+            <a:fontRef idx="minor">
+              <a:schemeClr val="tx1"/>
+            </a:fontRef>
+          </p:style>
+        </p:cxnSp>
+        <p:cxnSp>
+          <p:nvCxnSpPr>
+            <p:cNvPr id="23" name="Straight Connector 37">
+              <a:extLst>
+                <a:ext uri="{FF2B5EF4-FFF2-40B4-BE49-F238E27FC236}">
+                  <a16:creationId xmlns:a16="http://schemas.microsoft.com/office/drawing/2014/main" id="{115D467E-C071-303C-FBDC-773AF6866188}"/>
+                </a:ext>
+              </a:extLst>
+            </p:cNvPr>
+            <p:cNvCxnSpPr>
+              <a:cxnSpLocks/>
+            </p:cNvCxnSpPr>
+            <p:nvPr/>
+          </p:nvCxnSpPr>
+          <p:spPr>
+            <a:xfrm>
+              <a:off x="1415415" y="3559865"/>
+              <a:ext cx="1337310" cy="0"/>
+            </a:xfrm>
+            <a:prstGeom prst="line">
+              <a:avLst/>
+            </a:prstGeom>
+            <a:ln w="6350" cap="rnd">
+              <a:solidFill>
+                <a:schemeClr val="bg1"/>
+              </a:solidFill>
+              <a:round/>
+            </a:ln>
+          </p:spPr>
+          <p:style>
+            <a:lnRef idx="1">
+              <a:schemeClr val="accent1"/>
+            </a:lnRef>
+            <a:fillRef idx="0">
+              <a:schemeClr val="accent1"/>
+            </a:fillRef>
+            <a:effectRef idx="0">
+              <a:schemeClr val="accent1"/>
+            </a:effectRef>
+            <a:fontRef idx="minor">
+              <a:schemeClr val="tx1"/>
+            </a:fontRef>
+          </p:style>
+        </p:cxnSp>
+        <p:cxnSp>
+          <p:nvCxnSpPr>
+            <p:cNvPr id="24" name="Straight Connector 39">
+              <a:extLst>
+                <a:ext uri="{FF2B5EF4-FFF2-40B4-BE49-F238E27FC236}">
+                  <a16:creationId xmlns:a16="http://schemas.microsoft.com/office/drawing/2014/main" id="{03CA9A46-C023-EF76-EEA2-B41C7E8DCA5B}"/>
+                </a:ext>
+              </a:extLst>
+            </p:cNvPr>
+            <p:cNvCxnSpPr>
+              <a:cxnSpLocks/>
+            </p:cNvCxnSpPr>
+            <p:nvPr/>
+          </p:nvCxnSpPr>
+          <p:spPr>
+            <a:xfrm>
+              <a:off x="1415415" y="3688452"/>
+              <a:ext cx="1632585" cy="0"/>
+            </a:xfrm>
+            <a:prstGeom prst="line">
+              <a:avLst/>
+            </a:prstGeom>
+            <a:ln w="6350" cap="rnd">
+              <a:solidFill>
+                <a:schemeClr val="bg1"/>
+              </a:solidFill>
+              <a:round/>
+            </a:ln>
+          </p:spPr>
+          <p:style>
+            <a:lnRef idx="1">
+              <a:schemeClr val="accent1"/>
+            </a:lnRef>
+            <a:fillRef idx="0">
+              <a:schemeClr val="accent1"/>
+            </a:fillRef>
+            <a:effectRef idx="0">
+              <a:schemeClr val="accent1"/>
+            </a:effectRef>
+            <a:fontRef idx="minor">
+              <a:schemeClr val="tx1"/>
+            </a:fontRef>
+          </p:style>
+        </p:cxnSp>
+        <p:cxnSp>
+          <p:nvCxnSpPr>
+            <p:cNvPr id="25" name="Straight Connector 41">
+              <a:extLst>
+                <a:ext uri="{FF2B5EF4-FFF2-40B4-BE49-F238E27FC236}">
+                  <a16:creationId xmlns:a16="http://schemas.microsoft.com/office/drawing/2014/main" id="{0588552C-9528-6CDC-D003-5CD4C0650EBC}"/>
+                </a:ext>
+              </a:extLst>
+            </p:cNvPr>
+            <p:cNvCxnSpPr>
+              <a:cxnSpLocks/>
+            </p:cNvCxnSpPr>
+            <p:nvPr/>
+          </p:nvCxnSpPr>
+          <p:spPr>
+            <a:xfrm>
+              <a:off x="1415415" y="3826565"/>
+              <a:ext cx="1527810" cy="0"/>
+            </a:xfrm>
+            <a:prstGeom prst="line">
+              <a:avLst/>
+            </a:prstGeom>
+            <a:ln w="6350" cap="rnd">
+              <a:solidFill>
+                <a:schemeClr val="bg1"/>
+              </a:solidFill>
+              <a:round/>
+            </a:ln>
+          </p:spPr>
+          <p:style>
+            <a:lnRef idx="1">
+              <a:schemeClr val="accent1"/>
+            </a:lnRef>
+            <a:fillRef idx="0">
+              <a:schemeClr val="accent1"/>
+            </a:fillRef>
+            <a:effectRef idx="0">
+              <a:schemeClr val="accent1"/>
+            </a:effectRef>
+            <a:fontRef idx="minor">
+              <a:schemeClr val="tx1"/>
+            </a:fontRef>
+          </p:style>
+        </p:cxnSp>
+        <p:cxnSp>
+          <p:nvCxnSpPr>
+            <p:cNvPr id="26" name="Straight Connector 43">
+              <a:extLst>
+                <a:ext uri="{FF2B5EF4-FFF2-40B4-BE49-F238E27FC236}">
+                  <a16:creationId xmlns:a16="http://schemas.microsoft.com/office/drawing/2014/main" id="{E5C39083-087A-9548-C4D1-69FF07BD1011}"/>
+                </a:ext>
+              </a:extLst>
+            </p:cNvPr>
+            <p:cNvCxnSpPr>
+              <a:cxnSpLocks/>
+            </p:cNvCxnSpPr>
+            <p:nvPr/>
+          </p:nvCxnSpPr>
+          <p:spPr>
+            <a:xfrm>
+              <a:off x="1415415" y="3955153"/>
+              <a:ext cx="1165860" cy="0"/>
+            </a:xfrm>
+            <a:prstGeom prst="line">
+              <a:avLst/>
+            </a:prstGeom>
+            <a:ln w="6350" cap="rnd">
+              <a:solidFill>
+                <a:schemeClr val="bg1"/>
+              </a:solidFill>
+              <a:round/>
+            </a:ln>
+          </p:spPr>
+          <p:style>
+            <a:lnRef idx="1">
+              <a:schemeClr val="accent1"/>
+            </a:lnRef>
+            <a:fillRef idx="0">
+              <a:schemeClr val="accent1"/>
+            </a:fillRef>
+            <a:effectRef idx="0">
+              <a:schemeClr val="accent1"/>
+            </a:effectRef>
+            <a:fontRef idx="minor">
+              <a:schemeClr val="tx1"/>
+            </a:fontRef>
+          </p:style>
+        </p:cxnSp>
+        <p:cxnSp>
+          <p:nvCxnSpPr>
+            <p:cNvPr id="33" name="Straight Connector 45">
+              <a:extLst>
+                <a:ext uri="{FF2B5EF4-FFF2-40B4-BE49-F238E27FC236}">
+                  <a16:creationId xmlns:a16="http://schemas.microsoft.com/office/drawing/2014/main" id="{F9210589-349D-11CE-B22C-8A9D6BE46AE1}"/>
+                </a:ext>
+              </a:extLst>
+            </p:cNvPr>
+            <p:cNvCxnSpPr>
+              <a:cxnSpLocks/>
+            </p:cNvCxnSpPr>
+            <p:nvPr/>
+          </p:nvCxnSpPr>
+          <p:spPr>
+            <a:xfrm>
+              <a:off x="1415415" y="4102791"/>
+              <a:ext cx="1670685" cy="0"/>
+            </a:xfrm>
+            <a:prstGeom prst="line">
+              <a:avLst/>
+            </a:prstGeom>
+            <a:ln w="6350" cap="rnd">
+              <a:solidFill>
+                <a:schemeClr val="bg1"/>
+              </a:solidFill>
+              <a:round/>
+            </a:ln>
+          </p:spPr>
+          <p:style>
+            <a:lnRef idx="1">
+              <a:schemeClr val="accent1"/>
+            </a:lnRef>
+            <a:fillRef idx="0">
+              <a:schemeClr val="accent1"/>
+            </a:fillRef>
+            <a:effectRef idx="0">
+              <a:schemeClr val="accent1"/>
+            </a:effectRef>
+            <a:fontRef idx="minor">
+              <a:schemeClr val="tx1"/>
+            </a:fontRef>
+          </p:style>
+        </p:cxnSp>
+      </p:grpSp>
+      <p:sp>
+        <p:nvSpPr>
+          <p:cNvPr id="37" name="TextBox 179">
+            <a:extLst>
+              <a:ext uri="{FF2B5EF4-FFF2-40B4-BE49-F238E27FC236}">
+                <a16:creationId xmlns:a16="http://schemas.microsoft.com/office/drawing/2014/main" id="{6FC19CAC-4EA0-AE3D-8F14-81FA4C3CC682}"/>
+              </a:ext>
+            </a:extLst>
+          </p:cNvPr>
+          <p:cNvSpPr txBox="1"/>
+          <p:nvPr/>
+        </p:nvSpPr>
+        <p:spPr>
+          <a:xfrm>
+            <a:off x="1003129" y="5775286"/>
+            <a:ext cx="1342843" cy="461665"/>
+          </a:xfrm>
+          <a:prstGeom prst="rect">
+            <a:avLst/>
+          </a:prstGeom>
+          <a:noFill/>
+        </p:spPr>
+        <p:txBody>
+          <a:bodyPr wrap="square" rtlCol="0">
+            <a:spAutoFit/>
+          </a:bodyPr>
+          <a:lstStyle/>
+          <a:p>
+            <a:pPr algn="ctr"/>
+            <a:r>
+              <a:rPr lang="pt-BR" sz="1200" b="1" dirty="0">
+                <a:latin typeface="Arial" panose="020B0604020202020204" pitchFamily="34" charset="0"/>
+                <a:ea typeface="Cambria" panose="02040503050406030204" pitchFamily="18" charset="0"/>
+                <a:cs typeface="Arial" panose="020B0604020202020204" pitchFamily="34" charset="0"/>
+              </a:rPr>
+              <a:t>Medicamentos</a:t>
+            </a:r>
+          </a:p>
+          <a:p>
+            <a:r>
+              <a:rPr lang="en-US" sz="1200" b="1" dirty="0" err="1">
+                <a:latin typeface="Arial" panose="020B0604020202020204" pitchFamily="34" charset="0"/>
+                <a:ea typeface="Cambria" panose="02040503050406030204" pitchFamily="18" charset="0"/>
+                <a:cs typeface="Arial" panose="020B0604020202020204" pitchFamily="34" charset="0"/>
+              </a:rPr>
+              <a:t>Credenciados</a:t>
+            </a:r>
+            <a:endParaRPr lang="en-US" sz="1200" b="1" dirty="0">
+              <a:latin typeface="Arial" panose="020B0604020202020204" pitchFamily="34" charset="0"/>
+              <a:ea typeface="Cambria" panose="02040503050406030204" pitchFamily="18" charset="0"/>
+              <a:cs typeface="Arial" panose="020B0604020202020204" pitchFamily="34" charset="0"/>
+            </a:endParaRPr>
+          </a:p>
+        </p:txBody>
+      </p:sp>
+      <p:cxnSp>
+        <p:nvCxnSpPr>
+          <p:cNvPr id="39" name="Straight Arrow Connector 152">
+            <a:extLst>
+              <a:ext uri="{FF2B5EF4-FFF2-40B4-BE49-F238E27FC236}">
+                <a16:creationId xmlns:a16="http://schemas.microsoft.com/office/drawing/2014/main" id="{CF2FF24D-9C63-6FF6-058E-58D43601C0C8}"/>
+              </a:ext>
+            </a:extLst>
+          </p:cNvPr>
+          <p:cNvCxnSpPr>
+            <a:cxnSpLocks/>
+          </p:cNvCxnSpPr>
+          <p:nvPr/>
+        </p:nvCxnSpPr>
+        <p:spPr>
+          <a:xfrm flipV="1">
+            <a:off x="1788543" y="4212807"/>
+            <a:ext cx="152420" cy="830763"/>
           </a:xfrm>
           <a:prstGeom prst="straightConnector1">
             <a:avLst/>
